--- a/man/figures/ct1.pptx
+++ b/man/figures/ct1.pptx
@@ -243,7 +243,7 @@
           <a:p>
             <a:fld id="{FC2A4E39-15D1-44B4-BD6C-D53416EADD39}" type="datetimeFigureOut">
               <a:rPr lang="fr-FR" smtClean="0"/>
-              <a:t>12/10/2021</a:t>
+              <a:t>14/11/2021</a:t>
             </a:fld>
             <a:endParaRPr lang="fr-FR"/>
           </a:p>
@@ -413,7 +413,7 @@
           <a:p>
             <a:fld id="{FC2A4E39-15D1-44B4-BD6C-D53416EADD39}" type="datetimeFigureOut">
               <a:rPr lang="fr-FR" smtClean="0"/>
-              <a:t>12/10/2021</a:t>
+              <a:t>14/11/2021</a:t>
             </a:fld>
             <a:endParaRPr lang="fr-FR"/>
           </a:p>
@@ -593,7 +593,7 @@
           <a:p>
             <a:fld id="{FC2A4E39-15D1-44B4-BD6C-D53416EADD39}" type="datetimeFigureOut">
               <a:rPr lang="fr-FR" smtClean="0"/>
-              <a:t>12/10/2021</a:t>
+              <a:t>14/11/2021</a:t>
             </a:fld>
             <a:endParaRPr lang="fr-FR"/>
           </a:p>
@@ -763,7 +763,7 @@
           <a:p>
             <a:fld id="{FC2A4E39-15D1-44B4-BD6C-D53416EADD39}" type="datetimeFigureOut">
               <a:rPr lang="fr-FR" smtClean="0"/>
-              <a:t>12/10/2021</a:t>
+              <a:t>14/11/2021</a:t>
             </a:fld>
             <a:endParaRPr lang="fr-FR"/>
           </a:p>
@@ -1009,7 +1009,7 @@
           <a:p>
             <a:fld id="{FC2A4E39-15D1-44B4-BD6C-D53416EADD39}" type="datetimeFigureOut">
               <a:rPr lang="fr-FR" smtClean="0"/>
-              <a:t>12/10/2021</a:t>
+              <a:t>14/11/2021</a:t>
             </a:fld>
             <a:endParaRPr lang="fr-FR"/>
           </a:p>
@@ -1241,7 +1241,7 @@
           <a:p>
             <a:fld id="{FC2A4E39-15D1-44B4-BD6C-D53416EADD39}" type="datetimeFigureOut">
               <a:rPr lang="fr-FR" smtClean="0"/>
-              <a:t>12/10/2021</a:t>
+              <a:t>14/11/2021</a:t>
             </a:fld>
             <a:endParaRPr lang="fr-FR"/>
           </a:p>
@@ -1608,7 +1608,7 @@
           <a:p>
             <a:fld id="{FC2A4E39-15D1-44B4-BD6C-D53416EADD39}" type="datetimeFigureOut">
               <a:rPr lang="fr-FR" smtClean="0"/>
-              <a:t>12/10/2021</a:t>
+              <a:t>14/11/2021</a:t>
             </a:fld>
             <a:endParaRPr lang="fr-FR"/>
           </a:p>
@@ -1726,7 +1726,7 @@
           <a:p>
             <a:fld id="{FC2A4E39-15D1-44B4-BD6C-D53416EADD39}" type="datetimeFigureOut">
               <a:rPr lang="fr-FR" smtClean="0"/>
-              <a:t>12/10/2021</a:t>
+              <a:t>14/11/2021</a:t>
             </a:fld>
             <a:endParaRPr lang="fr-FR"/>
           </a:p>
@@ -1821,7 +1821,7 @@
           <a:p>
             <a:fld id="{FC2A4E39-15D1-44B4-BD6C-D53416EADD39}" type="datetimeFigureOut">
               <a:rPr lang="fr-FR" smtClean="0"/>
-              <a:t>12/10/2021</a:t>
+              <a:t>14/11/2021</a:t>
             </a:fld>
             <a:endParaRPr lang="fr-FR"/>
           </a:p>
@@ -2098,7 +2098,7 @@
           <a:p>
             <a:fld id="{FC2A4E39-15D1-44B4-BD6C-D53416EADD39}" type="datetimeFigureOut">
               <a:rPr lang="fr-FR" smtClean="0"/>
-              <a:t>12/10/2021</a:t>
+              <a:t>14/11/2021</a:t>
             </a:fld>
             <a:endParaRPr lang="fr-FR"/>
           </a:p>
@@ -2355,7 +2355,7 @@
           <a:p>
             <a:fld id="{FC2A4E39-15D1-44B4-BD6C-D53416EADD39}" type="datetimeFigureOut">
               <a:rPr lang="fr-FR" smtClean="0"/>
-              <a:t>12/10/2021</a:t>
+              <a:t>14/11/2021</a:t>
             </a:fld>
             <a:endParaRPr lang="fr-FR"/>
           </a:p>
@@ -2568,7 +2568,7 @@
           <a:p>
             <a:fld id="{FC2A4E39-15D1-44B4-BD6C-D53416EADD39}" type="datetimeFigureOut">
               <a:rPr lang="fr-FR" smtClean="0"/>
-              <a:t>12/10/2021</a:t>
+              <a:t>14/11/2021</a:t>
             </a:fld>
             <a:endParaRPr lang="fr-FR"/>
           </a:p>
@@ -2995,14 +2995,13 @@
               </a:ext>
             </a:extLst>
           </a:blip>
-          <a:stretch>
-            <a:fillRect/>
-          </a:stretch>
+          <a:srcRect/>
+          <a:stretch/>
         </p:blipFill>
         <p:spPr>
           <a:xfrm>
-            <a:off x="2859665" y="818673"/>
-            <a:ext cx="18126722" cy="6643054"/>
+            <a:off x="3586788" y="818673"/>
+            <a:ext cx="17403996" cy="6643054"/>
           </a:xfrm>
           <a:prstGeom prst="rect">
             <a:avLst/>
@@ -3518,7 +3517,7 @@
         <p:spPr>
           <a:xfrm>
             <a:off x="14077110" y="7439641"/>
-            <a:ext cx="3922869" cy="461537"/>
+            <a:ext cx="6981398" cy="830740"/>
           </a:xfrm>
           <a:prstGeom prst="rect">
             <a:avLst/>
@@ -3548,7 +3547,7 @@
                 </a:solidFill>
                 <a:latin typeface="Consolas" panose="020B0609020204030204" pitchFamily="49" charset="0"/>
               </a:rPr>
-              <a:t>margin</a:t>
+              <a:t>percent_pattern</a:t>
             </a:r>
             <a:r>
               <a:rPr lang="fr-FR" sz="2399" dirty="0">
@@ -3559,7 +3558,7 @@
                 </a:solidFill>
                 <a:latin typeface="Consolas" panose="020B0609020204030204" pitchFamily="49" charset="0"/>
               </a:rPr>
-              <a:t>=c("</a:t>
+              <a:t>="{n} ({</a:t>
             </a:r>
             <a:r>
               <a:rPr lang="fr-FR" sz="2399" dirty="0" err="1">
@@ -3570,7 +3569,7 @@
                 </a:solidFill>
                 <a:latin typeface="Consolas" panose="020B0609020204030204" pitchFamily="49" charset="0"/>
               </a:rPr>
-              <a:t>row</a:t>
+              <a:t>p_row</a:t>
             </a:r>
             <a:r>
               <a:rPr lang="fr-FR" sz="2399" dirty="0">
@@ -3581,7 +3580,53 @@
                 </a:solidFill>
                 <a:latin typeface="Consolas" panose="020B0609020204030204" pitchFamily="49" charset="0"/>
               </a:rPr>
-              <a:t>", "col")</a:t>
+              <a:t>}/{</a:t>
+            </a:r>
+            <a:r>
+              <a:rPr lang="fr-FR" sz="2399" dirty="0" err="1">
+                <a:solidFill>
+                  <a:schemeClr val="tx2">
+                    <a:lumMod val="75000"/>
+                  </a:schemeClr>
+                </a:solidFill>
+                <a:latin typeface="Consolas" panose="020B0609020204030204" pitchFamily="49" charset="0"/>
+              </a:rPr>
+              <a:t>p_col</a:t>
+            </a:r>
+            <a:r>
+              <a:rPr lang="fr-FR" sz="2399" dirty="0">
+                <a:solidFill>
+                  <a:schemeClr val="tx2">
+                    <a:lumMod val="75000"/>
+                  </a:schemeClr>
+                </a:solidFill>
+                <a:latin typeface="Consolas" panose="020B0609020204030204" pitchFamily="49" charset="0"/>
+              </a:rPr>
+              <a:t>})« </a:t>
+            </a:r>
+          </a:p>
+          <a:p>
+            <a:r>
+              <a:rPr lang="fr-FR" sz="2399" dirty="0" err="1">
+                <a:solidFill>
+                  <a:schemeClr val="tx2">
+                    <a:lumMod val="75000"/>
+                  </a:schemeClr>
+                </a:solidFill>
+                <a:latin typeface="Consolas" panose="020B0609020204030204" pitchFamily="49" charset="0"/>
+              </a:rPr>
+              <a:t>percent_digits</a:t>
+            </a:r>
+            <a:r>
+              <a:rPr lang="fr-FR" sz="2399" dirty="0">
+                <a:solidFill>
+                  <a:schemeClr val="tx2">
+                    <a:lumMod val="75000"/>
+                  </a:schemeClr>
+                </a:solidFill>
+                <a:latin typeface="Consolas" panose="020B0609020204030204" pitchFamily="49" charset="0"/>
+              </a:rPr>
+              <a:t>=0</a:t>
             </a:r>
           </a:p>
         </p:txBody>
